--- a/zhli/PPT/FrameworkTemplates.pptx
+++ b/zhli/PPT/FrameworkTemplates.pptx
@@ -2011,6 +2011,86 @@
     </pc:docChg>
   </pc:docChgLst>
   <pc:docChgLst>
+    <pc:chgData name="LiZhihao" userId="79c3d275-9cce-47a6-a836-bf4ba20ac713" providerId="ADAL" clId="{FF8DCBD5-8E0B-4CD3-BF87-373A9BB07622}"/>
+    <pc:docChg chg="undo custSel modSld">
+      <pc:chgData name="LiZhihao" userId="79c3d275-9cce-47a6-a836-bf4ba20ac713" providerId="ADAL" clId="{FF8DCBD5-8E0B-4CD3-BF87-373A9BB07622}" dt="2025-04-15T07:29:01.322" v="80" actId="1076"/>
+      <pc:docMkLst>
+        <pc:docMk/>
+      </pc:docMkLst>
+      <pc:sldChg chg="addSp delSp modSp mod">
+        <pc:chgData name="LiZhihao" userId="79c3d275-9cce-47a6-a836-bf4ba20ac713" providerId="ADAL" clId="{FF8DCBD5-8E0B-4CD3-BF87-373A9BB07622}" dt="2025-04-15T07:29:01.322" v="80" actId="1076"/>
+        <pc:sldMkLst>
+          <pc:docMk/>
+          <pc:sldMk cId="0" sldId="276"/>
+        </pc:sldMkLst>
+        <pc:spChg chg="add del mod">
+          <ac:chgData name="LiZhihao" userId="79c3d275-9cce-47a6-a836-bf4ba20ac713" providerId="ADAL" clId="{FF8DCBD5-8E0B-4CD3-BF87-373A9BB07622}" dt="2025-04-15T07:24:54.488" v="38" actId="21"/>
+          <ac:spMkLst>
+            <pc:docMk/>
+            <pc:sldMk cId="0" sldId="276"/>
+            <ac:spMk id="9" creationId="{D1A8833E-8249-74F7-3E00-BEE77B9F0E8F}"/>
+          </ac:spMkLst>
+        </pc:spChg>
+        <pc:spChg chg="add del mod">
+          <ac:chgData name="LiZhihao" userId="79c3d275-9cce-47a6-a836-bf4ba20ac713" providerId="ADAL" clId="{FF8DCBD5-8E0B-4CD3-BF87-373A9BB07622}" dt="2025-04-15T07:26:23.382" v="56" actId="21"/>
+          <ac:spMkLst>
+            <pc:docMk/>
+            <pc:sldMk cId="0" sldId="276"/>
+            <ac:spMk id="11" creationId="{8A9EC0D9-0268-F873-B02F-4826E653771D}"/>
+          </ac:spMkLst>
+        </pc:spChg>
+        <pc:spChg chg="add del mod">
+          <ac:chgData name="LiZhihao" userId="79c3d275-9cce-47a6-a836-bf4ba20ac713" providerId="ADAL" clId="{FF8DCBD5-8E0B-4CD3-BF87-373A9BB07622}" dt="2025-04-15T07:26:42.231" v="61" actId="21"/>
+          <ac:spMkLst>
+            <pc:docMk/>
+            <pc:sldMk cId="0" sldId="276"/>
+            <ac:spMk id="13" creationId="{1C4D1697-C33D-1875-6FB2-4E6E82D77E66}"/>
+          </ac:spMkLst>
+        </pc:spChg>
+        <pc:spChg chg="add del mod">
+          <ac:chgData name="LiZhihao" userId="79c3d275-9cce-47a6-a836-bf4ba20ac713" providerId="ADAL" clId="{FF8DCBD5-8E0B-4CD3-BF87-373A9BB07622}" dt="2025-04-15T07:26:44.475" v="63" actId="21"/>
+          <ac:spMkLst>
+            <pc:docMk/>
+            <pc:sldMk cId="0" sldId="276"/>
+            <ac:spMk id="14" creationId="{9C1241BA-8C89-A38A-650B-E2CB322600DA}"/>
+          </ac:spMkLst>
+        </pc:spChg>
+        <pc:spChg chg="add mod">
+          <ac:chgData name="LiZhihao" userId="79c3d275-9cce-47a6-a836-bf4ba20ac713" providerId="ADAL" clId="{FF8DCBD5-8E0B-4CD3-BF87-373A9BB07622}" dt="2025-04-15T07:29:01.322" v="80" actId="1076"/>
+          <ac:spMkLst>
+            <pc:docMk/>
+            <pc:sldMk cId="0" sldId="276"/>
+            <ac:spMk id="17" creationId="{80CE12B5-4C4A-290B-90A9-9441CF268513}"/>
+          </ac:spMkLst>
+        </pc:spChg>
+        <pc:spChg chg="mod">
+          <ac:chgData name="LiZhihao" userId="79c3d275-9cce-47a6-a836-bf4ba20ac713" providerId="ADAL" clId="{FF8DCBD5-8E0B-4CD3-BF87-373A9BB07622}" dt="2025-04-15T07:27:01.092" v="71" actId="20577"/>
+          <ac:spMkLst>
+            <pc:docMk/>
+            <pc:sldMk cId="0" sldId="276"/>
+            <ac:spMk id="24" creationId="{92F42AA1-771E-C830-7217-20EF47127A9F}"/>
+          </ac:spMkLst>
+        </pc:spChg>
+        <pc:graphicFrameChg chg="add del mod ord modGraphic">
+          <ac:chgData name="LiZhihao" userId="79c3d275-9cce-47a6-a836-bf4ba20ac713" providerId="ADAL" clId="{FF8DCBD5-8E0B-4CD3-BF87-373A9BB07622}" dt="2025-04-15T07:26:40.942" v="60" actId="21"/>
+          <ac:graphicFrameMkLst>
+            <pc:docMk/>
+            <pc:sldMk cId="0" sldId="276"/>
+            <ac:graphicFrameMk id="12" creationId="{71F9070F-330C-F201-C389-F142ACCE7193}"/>
+          </ac:graphicFrameMkLst>
+        </pc:graphicFrameChg>
+        <pc:picChg chg="add mod">
+          <ac:chgData name="LiZhihao" userId="79c3d275-9cce-47a6-a836-bf4ba20ac713" providerId="ADAL" clId="{FF8DCBD5-8E0B-4CD3-BF87-373A9BB07622}" dt="2025-04-15T07:27:03.119" v="72" actId="1076"/>
+          <ac:picMkLst>
+            <pc:docMk/>
+            <pc:sldMk cId="0" sldId="276"/>
+            <ac:picMk id="10" creationId="{D5B85B52-9285-A3C6-EFAE-9A1CB6D0D913}"/>
+          </ac:picMkLst>
+        </pc:picChg>
+      </pc:sldChg>
+    </pc:docChg>
+  </pc:docChgLst>
+  <pc:docChgLst>
     <pc:chgData name="LiZhihao" userId="79c3d275-9cce-47a6-a836-bf4ba20ac713" providerId="ADAL" clId="{117A9FEC-5397-47F5-99C0-9A223D04B8DF}"/>
     <pc:docChg chg="undo custSel addSld delSld modSld sldOrd">
       <pc:chgData name="LiZhihao" userId="79c3d275-9cce-47a6-a836-bf4ba20ac713" providerId="ADAL" clId="{117A9FEC-5397-47F5-99C0-9A223D04B8DF}" dt="2025-04-05T08:50:06.917" v="584" actId="20577"/>
@@ -3181,7 +3261,7 @@
           <a:p>
             <a:fld id="{CE80957A-BA59-4656-818B-2413137C4424}" type="datetimeFigureOut">
               <a:rPr lang="zh-CN" altLang="en-US" smtClean="0"/>
-              <a:t>2025/4/10</a:t>
+              <a:t>2025/4/15</a:t>
             </a:fld>
             <a:endParaRPr lang="zh-CN" altLang="en-US"/>
           </a:p>
@@ -7885,16 +7965,86 @@
           </a:bodyPr>
           <a:lstStyle/>
           <a:p>
-            <a:r>
-              <a:rPr lang="en-US" altLang="zh-CN" sz="2400" b="1" kern="100" dirty="0">
-                <a:solidFill>
-                  <a:schemeClr val="bg1"/>
-                </a:solidFill>
-                <a:latin typeface="华文中宋" panose="02010600040101010101" pitchFamily="2" charset="-122"/>
-                <a:ea typeface="华文中宋" panose="02010600040101010101" pitchFamily="2" charset="-122"/>
-                <a:cs typeface="Times New Roman" panose="02020603050405020304" pitchFamily="18" charset="0"/>
-              </a:rPr>
-              <a:t>Colors &amp; Shapes</a:t>
+            <a:endParaRPr lang="en-US" altLang="zh-CN" sz="2400" b="1" kern="100" dirty="0">
+              <a:solidFill>
+                <a:schemeClr val="bg1"/>
+              </a:solidFill>
+              <a:latin typeface="华文中宋" panose="02010600040101010101" pitchFamily="2" charset="-122"/>
+              <a:ea typeface="华文中宋" panose="02010600040101010101" pitchFamily="2" charset="-122"/>
+              <a:cs typeface="Times New Roman" panose="02020603050405020304" pitchFamily="18" charset="0"/>
+            </a:endParaRPr>
+          </a:p>
+        </p:txBody>
+      </p:sp>
+      <p:pic>
+        <p:nvPicPr>
+          <p:cNvPr id="10" name="图片 9">
+            <a:extLst>
+              <a:ext uri="{FF2B5EF4-FFF2-40B4-BE49-F238E27FC236}">
+                <a16:creationId xmlns:a16="http://schemas.microsoft.com/office/drawing/2014/main" id="{D5B85B52-9285-A3C6-EFAE-9A1CB6D0D913}"/>
+              </a:ext>
+            </a:extLst>
+          </p:cNvPr>
+          <p:cNvPicPr>
+            <a:picLocks noChangeAspect="1"/>
+          </p:cNvPicPr>
+          <p:nvPr/>
+        </p:nvPicPr>
+        <p:blipFill>
+          <a:blip r:embed="rId4"/>
+          <a:stretch>
+            <a:fillRect/>
+          </a:stretch>
+        </p:blipFill>
+        <p:spPr>
+          <a:xfrm>
+            <a:off x="414507" y="1261351"/>
+            <a:ext cx="4872583" cy="3402542"/>
+          </a:xfrm>
+          <a:prstGeom prst="rect">
+            <a:avLst/>
+          </a:prstGeom>
+        </p:spPr>
+      </p:pic>
+      <p:sp>
+        <p:nvSpPr>
+          <p:cNvPr id="17" name="文本框 16">
+            <a:extLst>
+              <a:ext uri="{FF2B5EF4-FFF2-40B4-BE49-F238E27FC236}">
+                <a16:creationId xmlns:a16="http://schemas.microsoft.com/office/drawing/2014/main" id="{80CE12B5-4C4A-290B-90A9-9441CF268513}"/>
+              </a:ext>
+            </a:extLst>
+          </p:cNvPr>
+          <p:cNvSpPr txBox="1"/>
+          <p:nvPr/>
+        </p:nvSpPr>
+        <p:spPr>
+          <a:xfrm>
+            <a:off x="414507" y="5043244"/>
+            <a:ext cx="6112932" cy="369332"/>
+          </a:xfrm>
+          <a:prstGeom prst="rect">
+            <a:avLst/>
+          </a:prstGeom>
+          <a:noFill/>
+        </p:spPr>
+        <p:txBody>
+          <a:bodyPr wrap="square">
+            <a:spAutoFit/>
+          </a:bodyPr>
+          <a:lstStyle/>
+          <a:p>
+            <a:r>
+              <a:rPr lang="zh-CN" altLang="en-US" dirty="0"/>
+              <a:t>https://liuzhaoze.github.io/posts</a:t>
+            </a:r>
+            <a:r>
+              <a:rPr lang="en-US" altLang="zh-CN" dirty="0"/>
+              <a:t>/</a:t>
+            </a:r>
+            <a:r>
+              <a:rPr lang="zh-CN" altLang="en-US" dirty="0"/>
+              <a:t>论文绘图配色/</a:t>
             </a:r>
           </a:p>
         </p:txBody>
